--- a/ASP.NetCore/Presentations/02.MVCBasics.pptx
+++ b/ASP.NetCore/Presentations/02.MVCBasics.pptx
@@ -277,7 +277,7 @@
               <a:pPr>
                 <a:defRPr/>
               </a:pPr>
-              <a:t>4/22/2022</a:t>
+              <a:t>5/2/2022</a:t>
             </a:fld>
             <a:endParaRPr lang="en-US" dirty="0"/>
           </a:p>
@@ -4945,7 +4945,7 @@
           <p:nvPr>
             <p:extLst>
               <p:ext uri="{D42A27DB-BD31-4B8C-83A1-F6EECF244321}">
-                <p14:modId xmlns:p14="http://schemas.microsoft.com/office/powerpoint/2010/main" val="2536817497"/>
+                <p14:modId xmlns:p14="http://schemas.microsoft.com/office/powerpoint/2010/main" val="1001505609"/>
               </p:ext>
             </p:extLst>
           </p:nvPr>
@@ -4958,7 +4958,7 @@
           <a:graphicData uri="http://schemas.openxmlformats.org/presentationml/2006/ole">
             <mc:AlternateContent xmlns:mc="http://schemas.openxmlformats.org/markup-compatibility/2006">
               <mc:Choice xmlns:v="urn:schemas-microsoft-com:vml" Requires="v">
-                <p:oleObj spid="_x0000_s1026" name="Document" showAsIcon="1" r:id="rId5" imgW="914597" imgH="806311" progId="Word.Document.12">
+                <p:oleObj spid="_x0000_s1027" name="Document" showAsIcon="1" r:id="rId5" imgW="914597" imgH="806311" progId="Word.Document.12">
                   <p:embed/>
                 </p:oleObj>
               </mc:Choice>
@@ -5365,7 +5365,7 @@
           <p:nvPr>
             <p:extLst>
               <p:ext uri="{D42A27DB-BD31-4B8C-83A1-F6EECF244321}">
-                <p14:modId xmlns:p14="http://schemas.microsoft.com/office/powerpoint/2010/main" val="1458738398"/>
+                <p14:modId xmlns:p14="http://schemas.microsoft.com/office/powerpoint/2010/main" val="3287924975"/>
               </p:ext>
             </p:extLst>
           </p:nvPr>
@@ -5378,7 +5378,7 @@
           <a:graphicData uri="http://schemas.openxmlformats.org/presentationml/2006/ole">
             <mc:AlternateContent xmlns:mc="http://schemas.openxmlformats.org/markup-compatibility/2006">
               <mc:Choice xmlns:v="urn:schemas-microsoft-com:vml" Requires="v">
-                <p:oleObj spid="_x0000_s2050" name="Document" showAsIcon="1" r:id="rId5" imgW="914597" imgH="806311" progId="Word.Document.12">
+                <p:oleObj spid="_x0000_s2051" name="Document" showAsIcon="1" r:id="rId5" imgW="914597" imgH="806311" progId="Word.Document.12">
                   <p:embed/>
                 </p:oleObj>
               </mc:Choice>
